--- a/Visualization_DEA_week3.pptx
+++ b/Visualization_DEA_week3.pptx
@@ -6699,7 +6699,7 @@
         </p:nvSpPr>
         <p:spPr>
           <a:xfrm>
-            <a:off x="311700" y="1152475"/>
+            <a:off x="107000" y="1152475"/>
             <a:ext cx="8520600" cy="3416400"/>
           </a:xfrm>
           <a:prstGeom prst="rect">
@@ -6717,12 +6717,83 @@
                 <a:spcPts val="0"/>
               </a:spcBef>
               <a:spcAft>
+                <a:spcPts val="0"/>
+              </a:spcAft>
+              <a:buNone/>
+            </a:pPr>
+            <a:r>
+              <a:rPr lang="en"/>
+              <a:t>-noted: removed men, women</a:t>
+            </a:r>
+            <a:endParaRPr/>
+          </a:p>
+          <a:p>
+            <a:pPr indent="0" lvl="0" marL="0" rtl="0" algn="l">
+              <a:spcBef>
                 <a:spcPts val="1200"/>
+              </a:spcBef>
+              <a:spcAft>
+                <a:spcPts val="0"/>
               </a:spcAft>
               <a:buNone/>
             </a:pPr>
             <a:r>
               <a:t/>
+            </a:r>
+            <a:endParaRPr/>
+          </a:p>
+          <a:p>
+            <a:pPr indent="0" lvl="0" marL="0" rtl="0" algn="l">
+              <a:spcBef>
+                <a:spcPts val="1200"/>
+              </a:spcBef>
+              <a:spcAft>
+                <a:spcPts val="0"/>
+              </a:spcAft>
+              <a:buNone/>
+            </a:pPr>
+            <a:r>
+              <a:t/>
+            </a:r>
+            <a:endParaRPr/>
+          </a:p>
+          <a:p>
+            <a:pPr indent="0" lvl="0" marL="0" rtl="0" algn="l">
+              <a:spcBef>
+                <a:spcPts val="1200"/>
+              </a:spcBef>
+              <a:spcAft>
+                <a:spcPts val="0"/>
+              </a:spcAft>
+              <a:buNone/>
+            </a:pPr>
+            <a:r>
+              <a:rPr lang="en"/>
+              <a:t>The men, women shown is like </a:t>
+            </a:r>
+            <a:endParaRPr/>
+          </a:p>
+          <a:p>
+            <a:pPr indent="0" lvl="0" marL="0" rtl="0" algn="l">
+              <a:spcBef>
+                <a:spcPts val="1200"/>
+              </a:spcBef>
+              <a:spcAft>
+                <a:spcPts val="1200"/>
+              </a:spcAft>
+              <a:buNone/>
+            </a:pPr>
+            <a:r>
+              <a:rPr lang="en"/>
+              <a:t>break down </a:t>
+            </a:r>
+            <a:r>
+              <a:rPr lang="en"/>
+              <a:t>word</a:t>
+            </a:r>
+            <a:r>
+              <a:rPr lang="en"/>
+              <a:t> from men_shoes</a:t>
             </a:r>
             <a:endParaRPr/>
           </a:p>
@@ -6744,8 +6815,8 @@
         </p:blipFill>
         <p:spPr>
           <a:xfrm>
-            <a:off x="3801750" y="511438"/>
-            <a:ext cx="4698475" cy="4698475"/>
+            <a:off x="3934450" y="0"/>
+            <a:ext cx="5143501" cy="5143501"/>
           </a:xfrm>
           <a:prstGeom prst="rect">
             <a:avLst/>
